--- a/fIT.Documents/Quellen/Aufbau Architektur.pptx
+++ b/fIT.Documents/Quellen/Aufbau Architektur.pptx
@@ -4,8 +4,13 @@
   <p:sldMasterIdLst>
     <p:sldMasterId id="2147483648" r:id="rId1"/>
   </p:sldMasterIdLst>
+  <p:notesMasterIdLst>
+    <p:notesMasterId r:id="rId5"/>
+  </p:notesMasterIdLst>
   <p:sldIdLst>
     <p:sldId id="256" r:id="rId2"/>
+    <p:sldId id="257" r:id="rId3"/>
+    <p:sldId id="258" r:id="rId4"/>
   </p:sldIdLst>
   <p:sldSz cx="9144000" cy="6858000" type="screen4x3"/>
   <p:notesSz cx="6858000" cy="9144000"/>
@@ -107,6 +112,440 @@
 </p:presentation>
 </file>
 
+<file path=ppt/notesMasters/notesMaster1.xml><?xml version="1.0" encoding="utf-8"?>
+<p:notesMaster xmlns:a="http://schemas.openxmlformats.org/drawingml/2006/main" xmlns:r="http://schemas.openxmlformats.org/officeDocument/2006/relationships" xmlns:p="http://schemas.openxmlformats.org/presentationml/2006/main">
+  <p:cSld>
+    <p:bg>
+      <p:bgRef idx="1001">
+        <a:schemeClr val="bg1"/>
+      </p:bgRef>
+    </p:bg>
+    <p:spTree>
+      <p:nvGrpSpPr>
+        <p:cNvPr id="1" name=""/>
+        <p:cNvGrpSpPr/>
+        <p:nvPr/>
+      </p:nvGrpSpPr>
+      <p:grpSpPr>
+        <a:xfrm>
+          <a:off x="0" y="0"/>
+          <a:ext cx="0" cy="0"/>
+          <a:chOff x="0" y="0"/>
+          <a:chExt cx="0" cy="0"/>
+        </a:xfrm>
+      </p:grpSpPr>
+      <p:sp>
+        <p:nvSpPr>
+          <p:cNvPr id="2" name="Kopfzeilenplatzhalter 1"/>
+          <p:cNvSpPr>
+            <a:spLocks noGrp="1"/>
+          </p:cNvSpPr>
+          <p:nvPr>
+            <p:ph type="hdr" sz="quarter"/>
+          </p:nvPr>
+        </p:nvSpPr>
+        <p:spPr>
+          <a:xfrm>
+            <a:off x="0" y="0"/>
+            <a:ext cx="2971800" cy="457200"/>
+          </a:xfrm>
+          <a:prstGeom prst="rect">
+            <a:avLst/>
+          </a:prstGeom>
+        </p:spPr>
+        <p:txBody>
+          <a:bodyPr vert="horz" lIns="91440" tIns="45720" rIns="91440" bIns="45720" rtlCol="0"/>
+          <a:lstStyle>
+            <a:lvl1pPr algn="l">
+              <a:defRPr sz="1200"/>
+            </a:lvl1pPr>
+          </a:lstStyle>
+          <a:p>
+            <a:endParaRPr lang="de-DE"/>
+          </a:p>
+        </p:txBody>
+      </p:sp>
+      <p:sp>
+        <p:nvSpPr>
+          <p:cNvPr id="3" name="Datumsplatzhalter 2"/>
+          <p:cNvSpPr>
+            <a:spLocks noGrp="1"/>
+          </p:cNvSpPr>
+          <p:nvPr>
+            <p:ph type="dt" idx="1"/>
+          </p:nvPr>
+        </p:nvSpPr>
+        <p:spPr>
+          <a:xfrm>
+            <a:off x="3884613" y="0"/>
+            <a:ext cx="2971800" cy="457200"/>
+          </a:xfrm>
+          <a:prstGeom prst="rect">
+            <a:avLst/>
+          </a:prstGeom>
+        </p:spPr>
+        <p:txBody>
+          <a:bodyPr vert="horz" lIns="91440" tIns="45720" rIns="91440" bIns="45720" rtlCol="0"/>
+          <a:lstStyle>
+            <a:lvl1pPr algn="r">
+              <a:defRPr sz="1200"/>
+            </a:lvl1pPr>
+          </a:lstStyle>
+          <a:p>
+            <a:fld id="{664F23B8-163D-46BA-84C9-FB0B2D8D521A}" type="datetimeFigureOut">
+              <a:rPr lang="de-DE" smtClean="0"/>
+              <a:t>14.09.2015</a:t>
+            </a:fld>
+            <a:endParaRPr lang="de-DE"/>
+          </a:p>
+        </p:txBody>
+      </p:sp>
+      <p:sp>
+        <p:nvSpPr>
+          <p:cNvPr id="4" name="Folienbildplatzhalter 3"/>
+          <p:cNvSpPr>
+            <a:spLocks noGrp="1" noRot="1" noChangeAspect="1"/>
+          </p:cNvSpPr>
+          <p:nvPr>
+            <p:ph type="sldImg" idx="2"/>
+          </p:nvPr>
+        </p:nvSpPr>
+        <p:spPr>
+          <a:xfrm>
+            <a:off x="1143000" y="685800"/>
+            <a:ext cx="4572000" cy="3429000"/>
+          </a:xfrm>
+          <a:prstGeom prst="rect">
+            <a:avLst/>
+          </a:prstGeom>
+          <a:noFill/>
+          <a:ln w="12700">
+            <a:solidFill>
+              <a:prstClr val="black"/>
+            </a:solidFill>
+          </a:ln>
+        </p:spPr>
+        <p:txBody>
+          <a:bodyPr vert="horz" lIns="91440" tIns="45720" rIns="91440" bIns="45720" rtlCol="0" anchor="ctr"/>
+          <a:lstStyle/>
+          <a:p>
+            <a:endParaRPr lang="de-DE"/>
+          </a:p>
+        </p:txBody>
+      </p:sp>
+      <p:sp>
+        <p:nvSpPr>
+          <p:cNvPr id="5" name="Notizenplatzhalter 4"/>
+          <p:cNvSpPr>
+            <a:spLocks noGrp="1"/>
+          </p:cNvSpPr>
+          <p:nvPr>
+            <p:ph type="body" sz="quarter" idx="3"/>
+          </p:nvPr>
+        </p:nvSpPr>
+        <p:spPr>
+          <a:xfrm>
+            <a:off x="685800" y="4343400"/>
+            <a:ext cx="5486400" cy="4114800"/>
+          </a:xfrm>
+          <a:prstGeom prst="rect">
+            <a:avLst/>
+          </a:prstGeom>
+        </p:spPr>
+        <p:txBody>
+          <a:bodyPr vert="horz" lIns="91440" tIns="45720" rIns="91440" bIns="45720" rtlCol="0"/>
+          <a:lstStyle/>
+          <a:p>
+            <a:pPr lvl="0"/>
+            <a:r>
+              <a:rPr lang="de-DE" smtClean="0"/>
+              <a:t>Textmasterformat bearbeiten</a:t>
+            </a:r>
+          </a:p>
+          <a:p>
+            <a:pPr lvl="1"/>
+            <a:r>
+              <a:rPr lang="de-DE" smtClean="0"/>
+              <a:t>Zweite Ebene</a:t>
+            </a:r>
+          </a:p>
+          <a:p>
+            <a:pPr lvl="2"/>
+            <a:r>
+              <a:rPr lang="de-DE" smtClean="0"/>
+              <a:t>Dritte Ebene</a:t>
+            </a:r>
+          </a:p>
+          <a:p>
+            <a:pPr lvl="3"/>
+            <a:r>
+              <a:rPr lang="de-DE" smtClean="0"/>
+              <a:t>Vierte Ebene</a:t>
+            </a:r>
+          </a:p>
+          <a:p>
+            <a:pPr lvl="4"/>
+            <a:r>
+              <a:rPr lang="de-DE" smtClean="0"/>
+              <a:t>Fünfte Ebene</a:t>
+            </a:r>
+            <a:endParaRPr lang="de-DE"/>
+          </a:p>
+        </p:txBody>
+      </p:sp>
+      <p:sp>
+        <p:nvSpPr>
+          <p:cNvPr id="6" name="Fußzeilenplatzhalter 5"/>
+          <p:cNvSpPr>
+            <a:spLocks noGrp="1"/>
+          </p:cNvSpPr>
+          <p:nvPr>
+            <p:ph type="ftr" sz="quarter" idx="4"/>
+          </p:nvPr>
+        </p:nvSpPr>
+        <p:spPr>
+          <a:xfrm>
+            <a:off x="0" y="8685213"/>
+            <a:ext cx="2971800" cy="457200"/>
+          </a:xfrm>
+          <a:prstGeom prst="rect">
+            <a:avLst/>
+          </a:prstGeom>
+        </p:spPr>
+        <p:txBody>
+          <a:bodyPr vert="horz" lIns="91440" tIns="45720" rIns="91440" bIns="45720" rtlCol="0" anchor="b"/>
+          <a:lstStyle>
+            <a:lvl1pPr algn="l">
+              <a:defRPr sz="1200"/>
+            </a:lvl1pPr>
+          </a:lstStyle>
+          <a:p>
+            <a:endParaRPr lang="de-DE"/>
+          </a:p>
+        </p:txBody>
+      </p:sp>
+      <p:sp>
+        <p:nvSpPr>
+          <p:cNvPr id="7" name="Foliennummernplatzhalter 6"/>
+          <p:cNvSpPr>
+            <a:spLocks noGrp="1"/>
+          </p:cNvSpPr>
+          <p:nvPr>
+            <p:ph type="sldNum" sz="quarter" idx="5"/>
+          </p:nvPr>
+        </p:nvSpPr>
+        <p:spPr>
+          <a:xfrm>
+            <a:off x="3884613" y="8685213"/>
+            <a:ext cx="2971800" cy="457200"/>
+          </a:xfrm>
+          <a:prstGeom prst="rect">
+            <a:avLst/>
+          </a:prstGeom>
+        </p:spPr>
+        <p:txBody>
+          <a:bodyPr vert="horz" lIns="91440" tIns="45720" rIns="91440" bIns="45720" rtlCol="0" anchor="b"/>
+          <a:lstStyle>
+            <a:lvl1pPr algn="r">
+              <a:defRPr sz="1200"/>
+            </a:lvl1pPr>
+          </a:lstStyle>
+          <a:p>
+            <a:fld id="{30C1333A-CEC3-44FA-B81C-1F692BF5B502}" type="slidenum">
+              <a:rPr lang="de-DE" smtClean="0"/>
+              <a:t>‹Nr.›</a:t>
+            </a:fld>
+            <a:endParaRPr lang="de-DE"/>
+          </a:p>
+        </p:txBody>
+      </p:sp>
+    </p:spTree>
+    <p:extLst>
+      <p:ext uri="{BB962C8B-B14F-4D97-AF65-F5344CB8AC3E}">
+        <p14:creationId xmlns:p14="http://schemas.microsoft.com/office/powerpoint/2010/main" val="2942041566"/>
+      </p:ext>
+    </p:extLst>
+  </p:cSld>
+  <p:clrMap bg1="lt1" tx1="dk1" bg2="lt2" tx2="dk2" accent1="accent1" accent2="accent2" accent3="accent3" accent4="accent4" accent5="accent5" accent6="accent6" hlink="hlink" folHlink="folHlink"/>
+  <p:notesStyle>
+    <a:lvl1pPr marL="0" algn="l" defTabSz="914400" rtl="0" eaLnBrk="1" latinLnBrk="0" hangingPunct="1">
+      <a:defRPr sz="1200" kern="1200">
+        <a:solidFill>
+          <a:schemeClr val="tx1"/>
+        </a:solidFill>
+        <a:latin typeface="+mn-lt"/>
+        <a:ea typeface="+mn-ea"/>
+        <a:cs typeface="+mn-cs"/>
+      </a:defRPr>
+    </a:lvl1pPr>
+    <a:lvl2pPr marL="457200" algn="l" defTabSz="914400" rtl="0" eaLnBrk="1" latinLnBrk="0" hangingPunct="1">
+      <a:defRPr sz="1200" kern="1200">
+        <a:solidFill>
+          <a:schemeClr val="tx1"/>
+        </a:solidFill>
+        <a:latin typeface="+mn-lt"/>
+        <a:ea typeface="+mn-ea"/>
+        <a:cs typeface="+mn-cs"/>
+      </a:defRPr>
+    </a:lvl2pPr>
+    <a:lvl3pPr marL="914400" algn="l" defTabSz="914400" rtl="0" eaLnBrk="1" latinLnBrk="0" hangingPunct="1">
+      <a:defRPr sz="1200" kern="1200">
+        <a:solidFill>
+          <a:schemeClr val="tx1"/>
+        </a:solidFill>
+        <a:latin typeface="+mn-lt"/>
+        <a:ea typeface="+mn-ea"/>
+        <a:cs typeface="+mn-cs"/>
+      </a:defRPr>
+    </a:lvl3pPr>
+    <a:lvl4pPr marL="1371600" algn="l" defTabSz="914400" rtl="0" eaLnBrk="1" latinLnBrk="0" hangingPunct="1">
+      <a:defRPr sz="1200" kern="1200">
+        <a:solidFill>
+          <a:schemeClr val="tx1"/>
+        </a:solidFill>
+        <a:latin typeface="+mn-lt"/>
+        <a:ea typeface="+mn-ea"/>
+        <a:cs typeface="+mn-cs"/>
+      </a:defRPr>
+    </a:lvl4pPr>
+    <a:lvl5pPr marL="1828800" algn="l" defTabSz="914400" rtl="0" eaLnBrk="1" latinLnBrk="0" hangingPunct="1">
+      <a:defRPr sz="1200" kern="1200">
+        <a:solidFill>
+          <a:schemeClr val="tx1"/>
+        </a:solidFill>
+        <a:latin typeface="+mn-lt"/>
+        <a:ea typeface="+mn-ea"/>
+        <a:cs typeface="+mn-cs"/>
+      </a:defRPr>
+    </a:lvl5pPr>
+    <a:lvl6pPr marL="2286000" algn="l" defTabSz="914400" rtl="0" eaLnBrk="1" latinLnBrk="0" hangingPunct="1">
+      <a:defRPr sz="1200" kern="1200">
+        <a:solidFill>
+          <a:schemeClr val="tx1"/>
+        </a:solidFill>
+        <a:latin typeface="+mn-lt"/>
+        <a:ea typeface="+mn-ea"/>
+        <a:cs typeface="+mn-cs"/>
+      </a:defRPr>
+    </a:lvl6pPr>
+    <a:lvl7pPr marL="2743200" algn="l" defTabSz="914400" rtl="0" eaLnBrk="1" latinLnBrk="0" hangingPunct="1">
+      <a:defRPr sz="1200" kern="1200">
+        <a:solidFill>
+          <a:schemeClr val="tx1"/>
+        </a:solidFill>
+        <a:latin typeface="+mn-lt"/>
+        <a:ea typeface="+mn-ea"/>
+        <a:cs typeface="+mn-cs"/>
+      </a:defRPr>
+    </a:lvl7pPr>
+    <a:lvl8pPr marL="3200400" algn="l" defTabSz="914400" rtl="0" eaLnBrk="1" latinLnBrk="0" hangingPunct="1">
+      <a:defRPr sz="1200" kern="1200">
+        <a:solidFill>
+          <a:schemeClr val="tx1"/>
+        </a:solidFill>
+        <a:latin typeface="+mn-lt"/>
+        <a:ea typeface="+mn-ea"/>
+        <a:cs typeface="+mn-cs"/>
+      </a:defRPr>
+    </a:lvl8pPr>
+    <a:lvl9pPr marL="3657600" algn="l" defTabSz="914400" rtl="0" eaLnBrk="1" latinLnBrk="0" hangingPunct="1">
+      <a:defRPr sz="1200" kern="1200">
+        <a:solidFill>
+          <a:schemeClr val="tx1"/>
+        </a:solidFill>
+        <a:latin typeface="+mn-lt"/>
+        <a:ea typeface="+mn-ea"/>
+        <a:cs typeface="+mn-cs"/>
+      </a:defRPr>
+    </a:lvl9pPr>
+  </p:notesStyle>
+</p:notesMaster>
+</file>
+
+<file path=ppt/notesSlides/notesSlide1.xml><?xml version="1.0" encoding="utf-8"?>
+<p:notes xmlns:a="http://schemas.openxmlformats.org/drawingml/2006/main" xmlns:r="http://schemas.openxmlformats.org/officeDocument/2006/relationships" xmlns:p="http://schemas.openxmlformats.org/presentationml/2006/main">
+  <p:cSld>
+    <p:spTree>
+      <p:nvGrpSpPr>
+        <p:cNvPr id="1" name=""/>
+        <p:cNvGrpSpPr/>
+        <p:nvPr/>
+      </p:nvGrpSpPr>
+      <p:grpSpPr>
+        <a:xfrm>
+          <a:off x="0" y="0"/>
+          <a:ext cx="0" cy="0"/>
+          <a:chOff x="0" y="0"/>
+          <a:chExt cx="0" cy="0"/>
+        </a:xfrm>
+      </p:grpSpPr>
+      <p:sp>
+        <p:nvSpPr>
+          <p:cNvPr id="2" name="Folienbildplatzhalter 1"/>
+          <p:cNvSpPr>
+            <a:spLocks noGrp="1" noRot="1" noChangeAspect="1"/>
+          </p:cNvSpPr>
+          <p:nvPr>
+            <p:ph type="sldImg"/>
+          </p:nvPr>
+        </p:nvSpPr>
+        <p:spPr/>
+      </p:sp>
+      <p:sp>
+        <p:nvSpPr>
+          <p:cNvPr id="3" name="Notizenplatzhalter 2"/>
+          <p:cNvSpPr>
+            <a:spLocks noGrp="1"/>
+          </p:cNvSpPr>
+          <p:nvPr>
+            <p:ph type="body" idx="1"/>
+          </p:nvPr>
+        </p:nvSpPr>
+        <p:spPr/>
+        <p:txBody>
+          <a:bodyPr/>
+          <a:lstStyle/>
+          <a:p>
+            <a:endParaRPr lang="de-DE" dirty="0"/>
+          </a:p>
+        </p:txBody>
+      </p:sp>
+      <p:sp>
+        <p:nvSpPr>
+          <p:cNvPr id="4" name="Foliennummernplatzhalter 3"/>
+          <p:cNvSpPr>
+            <a:spLocks noGrp="1"/>
+          </p:cNvSpPr>
+          <p:nvPr>
+            <p:ph type="sldNum" sz="quarter" idx="10"/>
+          </p:nvPr>
+        </p:nvSpPr>
+        <p:spPr/>
+        <p:txBody>
+          <a:bodyPr/>
+          <a:lstStyle/>
+          <a:p>
+            <a:fld id="{30C1333A-CEC3-44FA-B81C-1F692BF5B502}" type="slidenum">
+              <a:rPr lang="de-DE" smtClean="0"/>
+              <a:t>2</a:t>
+            </a:fld>
+            <a:endParaRPr lang="de-DE"/>
+          </a:p>
+        </p:txBody>
+      </p:sp>
+    </p:spTree>
+    <p:extLst>
+      <p:ext uri="{BB962C8B-B14F-4D97-AF65-F5344CB8AC3E}">
+        <p14:creationId xmlns:p14="http://schemas.microsoft.com/office/powerpoint/2010/main" val="2461137723"/>
+      </p:ext>
+    </p:extLst>
+  </p:cSld>
+  <p:clrMapOvr>
+    <a:masterClrMapping/>
+  </p:clrMapOvr>
+</p:notes>
+</file>
+
 <file path=ppt/slideLayouts/slideLayout1.xml><?xml version="1.0" encoding="utf-8"?>
 <p:sldLayout xmlns:a="http://schemas.openxmlformats.org/drawingml/2006/main" xmlns:r="http://schemas.openxmlformats.org/officeDocument/2006/relationships" xmlns:p="http://schemas.openxmlformats.org/presentationml/2006/main" type="title" preserve="1">
   <p:cSld name="Titelfolie">
@@ -288,7 +727,7 @@
           <a:p>
             <a:fld id="{1D5FEC9E-C74C-4CDD-A540-AB08654A9DDC}" type="datetimeFigureOut">
               <a:rPr lang="de-DE" smtClean="0"/>
-              <a:t>31.08.2015</a:t>
+              <a:t>14.09.2015</a:t>
             </a:fld>
             <a:endParaRPr lang="de-DE"/>
           </a:p>
@@ -458,7 +897,7 @@
           <a:p>
             <a:fld id="{1D5FEC9E-C74C-4CDD-A540-AB08654A9DDC}" type="datetimeFigureOut">
               <a:rPr lang="de-DE" smtClean="0"/>
-              <a:t>31.08.2015</a:t>
+              <a:t>14.09.2015</a:t>
             </a:fld>
             <a:endParaRPr lang="de-DE"/>
           </a:p>
@@ -638,7 +1077,7 @@
           <a:p>
             <a:fld id="{1D5FEC9E-C74C-4CDD-A540-AB08654A9DDC}" type="datetimeFigureOut">
               <a:rPr lang="de-DE" smtClean="0"/>
-              <a:t>31.08.2015</a:t>
+              <a:t>14.09.2015</a:t>
             </a:fld>
             <a:endParaRPr lang="de-DE"/>
           </a:p>
@@ -808,7 +1247,7 @@
           <a:p>
             <a:fld id="{1D5FEC9E-C74C-4CDD-A540-AB08654A9DDC}" type="datetimeFigureOut">
               <a:rPr lang="de-DE" smtClean="0"/>
-              <a:t>31.08.2015</a:t>
+              <a:t>14.09.2015</a:t>
             </a:fld>
             <a:endParaRPr lang="de-DE"/>
           </a:p>
@@ -1054,7 +1493,7 @@
           <a:p>
             <a:fld id="{1D5FEC9E-C74C-4CDD-A540-AB08654A9DDC}" type="datetimeFigureOut">
               <a:rPr lang="de-DE" smtClean="0"/>
-              <a:t>31.08.2015</a:t>
+              <a:t>14.09.2015</a:t>
             </a:fld>
             <a:endParaRPr lang="de-DE"/>
           </a:p>
@@ -1342,7 +1781,7 @@
           <a:p>
             <a:fld id="{1D5FEC9E-C74C-4CDD-A540-AB08654A9DDC}" type="datetimeFigureOut">
               <a:rPr lang="de-DE" smtClean="0"/>
-              <a:t>31.08.2015</a:t>
+              <a:t>14.09.2015</a:t>
             </a:fld>
             <a:endParaRPr lang="de-DE"/>
           </a:p>
@@ -1764,7 +2203,7 @@
           <a:p>
             <a:fld id="{1D5FEC9E-C74C-4CDD-A540-AB08654A9DDC}" type="datetimeFigureOut">
               <a:rPr lang="de-DE" smtClean="0"/>
-              <a:t>31.08.2015</a:t>
+              <a:t>14.09.2015</a:t>
             </a:fld>
             <a:endParaRPr lang="de-DE"/>
           </a:p>
@@ -1882,7 +2321,7 @@
           <a:p>
             <a:fld id="{1D5FEC9E-C74C-4CDD-A540-AB08654A9DDC}" type="datetimeFigureOut">
               <a:rPr lang="de-DE" smtClean="0"/>
-              <a:t>31.08.2015</a:t>
+              <a:t>14.09.2015</a:t>
             </a:fld>
             <a:endParaRPr lang="de-DE"/>
           </a:p>
@@ -1977,7 +2416,7 @@
           <a:p>
             <a:fld id="{1D5FEC9E-C74C-4CDD-A540-AB08654A9DDC}" type="datetimeFigureOut">
               <a:rPr lang="de-DE" smtClean="0"/>
-              <a:t>31.08.2015</a:t>
+              <a:t>14.09.2015</a:t>
             </a:fld>
             <a:endParaRPr lang="de-DE"/>
           </a:p>
@@ -2254,7 +2693,7 @@
           <a:p>
             <a:fld id="{1D5FEC9E-C74C-4CDD-A540-AB08654A9DDC}" type="datetimeFigureOut">
               <a:rPr lang="de-DE" smtClean="0"/>
-              <a:t>31.08.2015</a:t>
+              <a:t>14.09.2015</a:t>
             </a:fld>
             <a:endParaRPr lang="de-DE"/>
           </a:p>
@@ -2507,7 +2946,7 @@
           <a:p>
             <a:fld id="{1D5FEC9E-C74C-4CDD-A540-AB08654A9DDC}" type="datetimeFigureOut">
               <a:rPr lang="de-DE" smtClean="0"/>
-              <a:t>31.08.2015</a:t>
+              <a:t>14.09.2015</a:t>
             </a:fld>
             <a:endParaRPr lang="de-DE"/>
           </a:p>
@@ -2720,7 +3159,7 @@
           <a:p>
             <a:fld id="{1D5FEC9E-C74C-4CDD-A540-AB08654A9DDC}" type="datetimeFigureOut">
               <a:rPr lang="de-DE" smtClean="0"/>
-              <a:t>31.08.2015</a:t>
+              <a:t>14.09.2015</a:t>
             </a:fld>
             <a:endParaRPr lang="de-DE"/>
           </a:p>
@@ -3233,6 +3672,630 @@
           </a:p>
         </p:txBody>
       </p:sp>
+      <p:sp>
+        <p:nvSpPr>
+          <p:cNvPr id="36" name="Rechteck 35"/>
+          <p:cNvSpPr/>
+          <p:nvPr/>
+        </p:nvSpPr>
+        <p:spPr>
+          <a:xfrm>
+            <a:off x="1404365" y="911074"/>
+            <a:ext cx="3024336" cy="968400"/>
+          </a:xfrm>
+          <a:prstGeom prst="rect">
+            <a:avLst/>
+          </a:prstGeom>
+          <a:solidFill>
+            <a:schemeClr val="bg1"/>
+          </a:solidFill>
+          <a:ln>
+            <a:solidFill>
+              <a:srgbClr val="C00000"/>
+            </a:solidFill>
+          </a:ln>
+        </p:spPr>
+        <p:style>
+          <a:lnRef idx="2">
+            <a:schemeClr val="accent1">
+              <a:shade val="50000"/>
+            </a:schemeClr>
+          </a:lnRef>
+          <a:fillRef idx="1">
+            <a:schemeClr val="accent1"/>
+          </a:fillRef>
+          <a:effectRef idx="0">
+            <a:schemeClr val="accent1"/>
+          </a:effectRef>
+          <a:fontRef idx="minor">
+            <a:schemeClr val="lt1"/>
+          </a:fontRef>
+        </p:style>
+        <p:txBody>
+          <a:bodyPr rtlCol="0" anchor="ctr"/>
+          <a:lstStyle/>
+          <a:p>
+            <a:pPr algn="ctr"/>
+            <a:r>
+              <a:rPr lang="de-DE" sz="1200" dirty="0" smtClean="0">
+                <a:solidFill>
+                  <a:schemeClr val="tx1"/>
+                </a:solidFill>
+              </a:rPr>
+              <a:t>Serverseitige Anwendungslogik</a:t>
+            </a:r>
+            <a:endParaRPr lang="de-DE" sz="1200" dirty="0">
+              <a:solidFill>
+                <a:schemeClr val="tx1"/>
+              </a:solidFill>
+            </a:endParaRPr>
+          </a:p>
+        </p:txBody>
+      </p:sp>
+      <p:cxnSp>
+        <p:nvCxnSpPr>
+          <p:cNvPr id="15" name="Gerade Verbindung 14"/>
+          <p:cNvCxnSpPr>
+            <a:stCxn id="6" idx="4"/>
+          </p:cNvCxnSpPr>
+          <p:nvPr/>
+        </p:nvCxnSpPr>
+        <p:spPr>
+          <a:xfrm>
+            <a:off x="1259632" y="1376772"/>
+            <a:ext cx="144016" cy="0"/>
+          </a:xfrm>
+          <a:prstGeom prst="line">
+            <a:avLst/>
+          </a:prstGeom>
+        </p:spPr>
+        <p:style>
+          <a:lnRef idx="1">
+            <a:schemeClr val="accent1"/>
+          </a:lnRef>
+          <a:fillRef idx="0">
+            <a:schemeClr val="accent1"/>
+          </a:fillRef>
+          <a:effectRef idx="0">
+            <a:schemeClr val="accent1"/>
+          </a:effectRef>
+          <a:fontRef idx="minor">
+            <a:schemeClr val="tx1"/>
+          </a:fontRef>
+        </p:style>
+      </p:cxnSp>
+      <p:sp>
+        <p:nvSpPr>
+          <p:cNvPr id="22" name="Wolke 21"/>
+          <p:cNvSpPr/>
+          <p:nvPr/>
+        </p:nvSpPr>
+        <p:spPr>
+          <a:xfrm>
+            <a:off x="1839293" y="2204864"/>
+            <a:ext cx="1508571" cy="792088"/>
+          </a:xfrm>
+          <a:prstGeom prst="cloud">
+            <a:avLst/>
+          </a:prstGeom>
+          <a:solidFill>
+            <a:schemeClr val="bg1"/>
+          </a:solidFill>
+        </p:spPr>
+        <p:style>
+          <a:lnRef idx="2">
+            <a:schemeClr val="accent1">
+              <a:shade val="50000"/>
+            </a:schemeClr>
+          </a:lnRef>
+          <a:fillRef idx="1">
+            <a:schemeClr val="accent1"/>
+          </a:fillRef>
+          <a:effectRef idx="0">
+            <a:schemeClr val="accent1"/>
+          </a:effectRef>
+          <a:fontRef idx="minor">
+            <a:schemeClr val="lt1"/>
+          </a:fontRef>
+        </p:style>
+        <p:txBody>
+          <a:bodyPr rtlCol="0" anchor="ctr"/>
+          <a:lstStyle/>
+          <a:p>
+            <a:pPr algn="ctr"/>
+            <a:endParaRPr lang="de-DE"/>
+          </a:p>
+        </p:txBody>
+      </p:sp>
+      <p:sp>
+        <p:nvSpPr>
+          <p:cNvPr id="23" name="Rechteck 22"/>
+          <p:cNvSpPr/>
+          <p:nvPr/>
+        </p:nvSpPr>
+        <p:spPr>
+          <a:xfrm>
+            <a:off x="611560" y="3140968"/>
+            <a:ext cx="4076239" cy="1368152"/>
+          </a:xfrm>
+          <a:prstGeom prst="rect">
+            <a:avLst/>
+          </a:prstGeom>
+          <a:solidFill>
+            <a:schemeClr val="bg1"/>
+          </a:solidFill>
+          <a:ln>
+            <a:solidFill>
+              <a:schemeClr val="accent3">
+                <a:lumMod val="75000"/>
+              </a:schemeClr>
+            </a:solidFill>
+          </a:ln>
+        </p:spPr>
+        <p:style>
+          <a:lnRef idx="2">
+            <a:schemeClr val="accent1">
+              <a:shade val="50000"/>
+            </a:schemeClr>
+          </a:lnRef>
+          <a:fillRef idx="1">
+            <a:schemeClr val="accent1"/>
+          </a:fillRef>
+          <a:effectRef idx="0">
+            <a:schemeClr val="accent1"/>
+          </a:effectRef>
+          <a:fontRef idx="minor">
+            <a:schemeClr val="lt1"/>
+          </a:fontRef>
+        </p:style>
+        <p:txBody>
+          <a:bodyPr rtlCol="0" anchor="ctr"/>
+          <a:lstStyle/>
+          <a:p>
+            <a:pPr algn="ctr"/>
+            <a:endParaRPr lang="de-DE"/>
+          </a:p>
+        </p:txBody>
+      </p:sp>
+      <p:sp>
+        <p:nvSpPr>
+          <p:cNvPr id="24" name="Textfeld 23"/>
+          <p:cNvSpPr txBox="1"/>
+          <p:nvPr/>
+        </p:nvSpPr>
+        <p:spPr>
+          <a:xfrm>
+            <a:off x="2210794" y="3140968"/>
+            <a:ext cx="725968" cy="369332"/>
+          </a:xfrm>
+          <a:prstGeom prst="rect">
+            <a:avLst/>
+          </a:prstGeom>
+          <a:noFill/>
+          <a:ln>
+            <a:noFill/>
+          </a:ln>
+        </p:spPr>
+        <p:txBody>
+          <a:bodyPr wrap="none" rtlCol="0">
+            <a:spAutoFit/>
+          </a:bodyPr>
+          <a:lstStyle/>
+          <a:p>
+            <a:r>
+              <a:rPr lang="de-DE" dirty="0" smtClean="0"/>
+              <a:t>Client</a:t>
+            </a:r>
+            <a:endParaRPr lang="de-DE" dirty="0"/>
+          </a:p>
+        </p:txBody>
+      </p:sp>
+      <p:cxnSp>
+        <p:nvCxnSpPr>
+          <p:cNvPr id="26" name="Gerade Verbindung 25"/>
+          <p:cNvCxnSpPr>
+            <a:stCxn id="36" idx="3"/>
+            <a:endCxn id="22" idx="0"/>
+          </p:cNvCxnSpPr>
+          <p:nvPr/>
+        </p:nvCxnSpPr>
+        <p:spPr>
+          <a:xfrm flipH="1">
+            <a:off x="3346607" y="1395274"/>
+            <a:ext cx="1082094" cy="1205634"/>
+          </a:xfrm>
+          <a:prstGeom prst="bentConnector3">
+            <a:avLst>
+              <a:gd name="adj1" fmla="val -36970"/>
+            </a:avLst>
+          </a:prstGeom>
+        </p:spPr>
+        <p:style>
+          <a:lnRef idx="1">
+            <a:schemeClr val="accent1"/>
+          </a:lnRef>
+          <a:fillRef idx="0">
+            <a:schemeClr val="accent1"/>
+          </a:fillRef>
+          <a:effectRef idx="0">
+            <a:schemeClr val="accent1"/>
+          </a:effectRef>
+          <a:fontRef idx="minor">
+            <a:schemeClr val="tx1"/>
+          </a:fontRef>
+        </p:style>
+      </p:cxnSp>
+      <p:cxnSp>
+        <p:nvCxnSpPr>
+          <p:cNvPr id="29" name="Gewinkelte Verbindung 28"/>
+          <p:cNvCxnSpPr>
+            <a:stCxn id="22" idx="2"/>
+            <a:endCxn id="55" idx="1"/>
+          </p:cNvCxnSpPr>
+          <p:nvPr/>
+        </p:nvCxnSpPr>
+        <p:spPr>
+          <a:xfrm rot="10800000" flipV="1">
+            <a:off x="863588" y="2600907"/>
+            <a:ext cx="980384" cy="1379767"/>
+          </a:xfrm>
+          <a:prstGeom prst="bentConnector3">
+            <a:avLst>
+              <a:gd name="adj1" fmla="val 151816"/>
+            </a:avLst>
+          </a:prstGeom>
+        </p:spPr>
+        <p:style>
+          <a:lnRef idx="1">
+            <a:schemeClr val="accent1"/>
+          </a:lnRef>
+          <a:fillRef idx="0">
+            <a:schemeClr val="accent1"/>
+          </a:fillRef>
+          <a:effectRef idx="0">
+            <a:schemeClr val="accent1"/>
+          </a:effectRef>
+          <a:fontRef idx="minor">
+            <a:schemeClr val="tx1"/>
+          </a:fontRef>
+        </p:style>
+      </p:cxnSp>
+      <p:sp>
+        <p:nvSpPr>
+          <p:cNvPr id="34" name="Rechteck 33"/>
+          <p:cNvSpPr/>
+          <p:nvPr/>
+        </p:nvSpPr>
+        <p:spPr>
+          <a:xfrm>
+            <a:off x="3239852" y="3510300"/>
+            <a:ext cx="1152128" cy="940749"/>
+          </a:xfrm>
+          <a:prstGeom prst="rect">
+            <a:avLst/>
+          </a:prstGeom>
+          <a:solidFill>
+            <a:schemeClr val="bg1"/>
+          </a:solidFill>
+          <a:ln>
+            <a:solidFill>
+              <a:schemeClr val="accent3">
+                <a:lumMod val="75000"/>
+              </a:schemeClr>
+            </a:solidFill>
+          </a:ln>
+        </p:spPr>
+        <p:style>
+          <a:lnRef idx="2">
+            <a:schemeClr val="accent1">
+              <a:shade val="50000"/>
+            </a:schemeClr>
+          </a:lnRef>
+          <a:fillRef idx="1">
+            <a:schemeClr val="accent1"/>
+          </a:fillRef>
+          <a:effectRef idx="0">
+            <a:schemeClr val="accent1"/>
+          </a:effectRef>
+          <a:fontRef idx="minor">
+            <a:schemeClr val="lt1"/>
+          </a:fontRef>
+        </p:style>
+        <p:txBody>
+          <a:bodyPr rtlCol="0" anchor="ctr"/>
+          <a:lstStyle/>
+          <a:p>
+            <a:pPr algn="ctr"/>
+            <a:r>
+              <a:rPr lang="de-DE" sz="1200" dirty="0" smtClean="0">
+                <a:solidFill>
+                  <a:schemeClr val="tx1"/>
+                </a:solidFill>
+              </a:rPr>
+              <a:t>Präsentation</a:t>
+            </a:r>
+            <a:endParaRPr lang="de-DE" sz="1200" dirty="0">
+              <a:solidFill>
+                <a:schemeClr val="tx1"/>
+              </a:solidFill>
+            </a:endParaRPr>
+          </a:p>
+        </p:txBody>
+      </p:sp>
+      <p:cxnSp>
+        <p:nvCxnSpPr>
+          <p:cNvPr id="54" name="Gerade Verbindung 53"/>
+          <p:cNvCxnSpPr>
+            <a:stCxn id="55" idx="3"/>
+            <a:endCxn id="34" idx="1"/>
+          </p:cNvCxnSpPr>
+          <p:nvPr/>
+        </p:nvCxnSpPr>
+        <p:spPr>
+          <a:xfrm>
+            <a:off x="3023588" y="3980675"/>
+            <a:ext cx="216264" cy="0"/>
+          </a:xfrm>
+          <a:prstGeom prst="line">
+            <a:avLst/>
+          </a:prstGeom>
+        </p:spPr>
+        <p:style>
+          <a:lnRef idx="1">
+            <a:schemeClr val="accent1"/>
+          </a:lnRef>
+          <a:fillRef idx="0">
+            <a:schemeClr val="accent1"/>
+          </a:fillRef>
+          <a:effectRef idx="0">
+            <a:schemeClr val="accent1"/>
+          </a:effectRef>
+          <a:fontRef idx="minor">
+            <a:schemeClr val="tx1"/>
+          </a:fontRef>
+        </p:style>
+      </p:cxnSp>
+      <p:sp>
+        <p:nvSpPr>
+          <p:cNvPr id="55" name="Rechteck 54"/>
+          <p:cNvSpPr/>
+          <p:nvPr/>
+        </p:nvSpPr>
+        <p:spPr>
+          <a:xfrm>
+            <a:off x="863588" y="3510300"/>
+            <a:ext cx="2160000" cy="940749"/>
+          </a:xfrm>
+          <a:prstGeom prst="rect">
+            <a:avLst/>
+          </a:prstGeom>
+          <a:solidFill>
+            <a:schemeClr val="bg1"/>
+          </a:solidFill>
+          <a:ln>
+            <a:solidFill>
+              <a:schemeClr val="accent3">
+                <a:lumMod val="75000"/>
+              </a:schemeClr>
+            </a:solidFill>
+          </a:ln>
+        </p:spPr>
+        <p:style>
+          <a:lnRef idx="2">
+            <a:schemeClr val="accent1">
+              <a:shade val="50000"/>
+            </a:schemeClr>
+          </a:lnRef>
+          <a:fillRef idx="1">
+            <a:schemeClr val="accent1"/>
+          </a:fillRef>
+          <a:effectRef idx="0">
+            <a:schemeClr val="accent1"/>
+          </a:effectRef>
+          <a:fontRef idx="minor">
+            <a:schemeClr val="lt1"/>
+          </a:fontRef>
+        </p:style>
+        <p:txBody>
+          <a:bodyPr rtlCol="0" anchor="ctr"/>
+          <a:lstStyle/>
+          <a:p>
+            <a:pPr algn="ctr"/>
+            <a:r>
+              <a:rPr lang="de-DE" sz="1200" dirty="0" smtClean="0">
+                <a:solidFill>
+                  <a:schemeClr val="tx1"/>
+                </a:solidFill>
+              </a:rPr>
+              <a:t>Clientseitige Anwendungslogik</a:t>
+            </a:r>
+            <a:endParaRPr lang="de-DE" sz="1200" dirty="0">
+              <a:solidFill>
+                <a:schemeClr val="tx1"/>
+              </a:solidFill>
+            </a:endParaRPr>
+          </a:p>
+        </p:txBody>
+      </p:sp>
+    </p:spTree>
+    <p:extLst>
+      <p:ext uri="{BB962C8B-B14F-4D97-AF65-F5344CB8AC3E}">
+        <p14:creationId xmlns:p14="http://schemas.microsoft.com/office/powerpoint/2010/main" val="73406538"/>
+      </p:ext>
+    </p:extLst>
+  </p:cSld>
+  <p:clrMapOvr>
+    <a:masterClrMapping/>
+  </p:clrMapOvr>
+</p:sld>
+</file>
+
+<file path=ppt/slides/slide2.xml><?xml version="1.0" encoding="utf-8"?>
+<p:sld xmlns:a="http://schemas.openxmlformats.org/drawingml/2006/main" xmlns:r="http://schemas.openxmlformats.org/officeDocument/2006/relationships" xmlns:p="http://schemas.openxmlformats.org/presentationml/2006/main">
+  <p:cSld>
+    <p:spTree>
+      <p:nvGrpSpPr>
+        <p:cNvPr id="1" name=""/>
+        <p:cNvGrpSpPr/>
+        <p:nvPr/>
+      </p:nvGrpSpPr>
+      <p:grpSpPr>
+        <a:xfrm>
+          <a:off x="0" y="0"/>
+          <a:ext cx="0" cy="0"/>
+          <a:chOff x="0" y="0"/>
+          <a:chExt cx="0" cy="0"/>
+        </a:xfrm>
+      </p:grpSpPr>
+      <p:sp>
+        <p:nvSpPr>
+          <p:cNvPr id="4" name="Rechteck 3"/>
+          <p:cNvSpPr/>
+          <p:nvPr/>
+        </p:nvSpPr>
+        <p:spPr>
+          <a:xfrm>
+            <a:off x="323528" y="404664"/>
+            <a:ext cx="4320480" cy="1656184"/>
+          </a:xfrm>
+          <a:prstGeom prst="rect">
+            <a:avLst/>
+          </a:prstGeom>
+          <a:solidFill>
+            <a:schemeClr val="bg1"/>
+          </a:solidFill>
+          <a:ln>
+            <a:solidFill>
+              <a:srgbClr val="C00000"/>
+            </a:solidFill>
+          </a:ln>
+        </p:spPr>
+        <p:style>
+          <a:lnRef idx="2">
+            <a:schemeClr val="accent1">
+              <a:shade val="50000"/>
+            </a:schemeClr>
+          </a:lnRef>
+          <a:fillRef idx="1">
+            <a:schemeClr val="accent1"/>
+          </a:fillRef>
+          <a:effectRef idx="0">
+            <a:schemeClr val="accent1"/>
+          </a:effectRef>
+          <a:fontRef idx="minor">
+            <a:schemeClr val="lt1"/>
+          </a:fontRef>
+        </p:style>
+        <p:txBody>
+          <a:bodyPr rtlCol="0" anchor="ctr"/>
+          <a:lstStyle/>
+          <a:p>
+            <a:pPr algn="ctr"/>
+            <a:endParaRPr lang="de-DE" dirty="0"/>
+          </a:p>
+        </p:txBody>
+      </p:sp>
+      <p:sp>
+        <p:nvSpPr>
+          <p:cNvPr id="5" name="Textfeld 4"/>
+          <p:cNvSpPr txBox="1"/>
+          <p:nvPr/>
+        </p:nvSpPr>
+        <p:spPr>
+          <a:xfrm>
+            <a:off x="1811115" y="404664"/>
+            <a:ext cx="1345305" cy="369332"/>
+          </a:xfrm>
+          <a:prstGeom prst="rect">
+            <a:avLst/>
+          </a:prstGeom>
+          <a:noFill/>
+        </p:spPr>
+        <p:txBody>
+          <a:bodyPr wrap="none" rtlCol="0">
+            <a:spAutoFit/>
+          </a:bodyPr>
+          <a:lstStyle/>
+          <a:p>
+            <a:r>
+              <a:rPr lang="de-DE" dirty="0" smtClean="0"/>
+              <a:t>Web Service</a:t>
+            </a:r>
+            <a:endParaRPr lang="de-DE" dirty="0"/>
+          </a:p>
+        </p:txBody>
+      </p:sp>
+      <p:sp>
+        <p:nvSpPr>
+          <p:cNvPr id="6" name="Flussdiagramm: Magnetplattenspeicher 5"/>
+          <p:cNvSpPr/>
+          <p:nvPr/>
+        </p:nvSpPr>
+        <p:spPr>
+          <a:xfrm>
+            <a:off x="539552" y="908720"/>
+            <a:ext cx="720080" cy="936104"/>
+          </a:xfrm>
+          <a:prstGeom prst="flowChartMagneticDisk">
+            <a:avLst/>
+          </a:prstGeom>
+          <a:solidFill>
+            <a:schemeClr val="bg1"/>
+          </a:solidFill>
+          <a:ln>
+            <a:solidFill>
+              <a:srgbClr val="C00000"/>
+            </a:solidFill>
+          </a:ln>
+        </p:spPr>
+        <p:style>
+          <a:lnRef idx="2">
+            <a:schemeClr val="accent1">
+              <a:shade val="50000"/>
+            </a:schemeClr>
+          </a:lnRef>
+          <a:fillRef idx="1">
+            <a:schemeClr val="accent1"/>
+          </a:fillRef>
+          <a:effectRef idx="0">
+            <a:schemeClr val="accent1"/>
+          </a:effectRef>
+          <a:fontRef idx="minor">
+            <a:schemeClr val="lt1"/>
+          </a:fontRef>
+        </p:style>
+        <p:txBody>
+          <a:bodyPr rtlCol="0" anchor="ctr"/>
+          <a:lstStyle/>
+          <a:p>
+            <a:pPr algn="ctr"/>
+            <a:r>
+              <a:rPr lang="de-DE" sz="1200" dirty="0" smtClean="0">
+                <a:solidFill>
+                  <a:schemeClr val="tx1"/>
+                </a:solidFill>
+              </a:rPr>
+              <a:t>Daten-bank</a:t>
+            </a:r>
+          </a:p>
+          <a:p>
+            <a:pPr algn="ctr"/>
+            <a:r>
+              <a:rPr lang="de-DE" sz="900" dirty="0" smtClean="0">
+                <a:solidFill>
+                  <a:schemeClr val="tx1"/>
+                </a:solidFill>
+              </a:rPr>
+              <a:t>{MSSQL}</a:t>
+            </a:r>
+            <a:endParaRPr lang="de-DE" sz="900" dirty="0">
+              <a:solidFill>
+                <a:schemeClr val="tx1"/>
+              </a:solidFill>
+            </a:endParaRPr>
+          </a:p>
+        </p:txBody>
+      </p:sp>
       <p:grpSp>
         <p:nvGrpSpPr>
           <p:cNvPr id="42" name="Gruppieren 41"/>
@@ -3242,9 +4305,9 @@
         <p:grpSpPr>
           <a:xfrm>
             <a:off x="1387865" y="910366"/>
-            <a:ext cx="3040836" cy="969108"/>
+            <a:ext cx="3118887" cy="969108"/>
             <a:chOff x="-16500" y="5230138"/>
-            <a:chExt cx="3040836" cy="969108"/>
+            <a:chExt cx="3118887" cy="969108"/>
           </a:xfrm>
         </p:grpSpPr>
         <p:grpSp>
@@ -3391,7 +4454,7 @@
           <p:spPr>
             <a:xfrm>
               <a:off x="-16500" y="5544591"/>
-              <a:ext cx="1008718" cy="276999"/>
+              <a:ext cx="1008718" cy="553998"/>
             </a:xfrm>
             <a:prstGeom prst="rect">
               <a:avLst/>
@@ -3417,6 +4480,18 @@
                 <a:t>OR-Mapper</a:t>
               </a:r>
             </a:p>
+            <a:p>
+              <a:pPr algn="ctr"/>
+              <a:r>
+                <a:rPr lang="de-DE" sz="900" dirty="0" smtClean="0"/>
+                <a:t>{Entity Framework}</a:t>
+              </a:r>
+              <a:endParaRPr lang="de-DE" sz="900" dirty="0" smtClean="0">
+                <a:solidFill>
+                  <a:schemeClr val="tx1"/>
+                </a:solidFill>
+              </a:endParaRPr>
+            </a:p>
           </p:txBody>
         </p:sp>
         <p:sp>
@@ -3428,7 +4503,7 @@
           <p:spPr>
             <a:xfrm>
               <a:off x="996864" y="5452259"/>
-              <a:ext cx="1048405" cy="461665"/>
+              <a:ext cx="1048405" cy="738664"/>
             </a:xfrm>
             <a:prstGeom prst="rect">
               <a:avLst/>
@@ -3446,10 +4521,17 @@
             <a:p>
               <a:pPr algn="ctr"/>
               <a:r>
-                <a:rPr lang="de-DE" sz="1200" dirty="0" smtClean="0"/>
-                <a:t>Anwendungs-schicht</a:t>
+                <a:rPr lang="de-DE" sz="1100" dirty="0" smtClean="0"/>
+                <a:t>Serverseitige Anwendungs-logik</a:t>
               </a:r>
-              <a:endParaRPr lang="de-DE" sz="1200" dirty="0"/>
+            </a:p>
+            <a:p>
+              <a:pPr algn="ctr"/>
+              <a:r>
+                <a:rPr lang="de-DE" sz="900" dirty="0" smtClean="0"/>
+                <a:t>{C#}</a:t>
+              </a:r>
+              <a:endParaRPr lang="de-DE" sz="900" dirty="0"/>
             </a:p>
           </p:txBody>
         </p:sp>
@@ -3461,8 +4543,8 @@
           </p:nvSpPr>
           <p:spPr>
             <a:xfrm>
-              <a:off x="2045270" y="5452259"/>
-              <a:ext cx="950132" cy="461665"/>
+              <a:off x="1938286" y="5452259"/>
+              <a:ext cx="1164101" cy="600164"/>
             </a:xfrm>
             <a:prstGeom prst="rect">
               <a:avLst/>
@@ -3490,7 +4572,14 @@
                 <a:rPr lang="de-DE" sz="1200" dirty="0" smtClean="0"/>
                 <a:t>Schnittstelle</a:t>
               </a:r>
-              <a:endParaRPr lang="de-DE" sz="1200" dirty="0"/>
+            </a:p>
+            <a:p>
+              <a:pPr algn="ctr"/>
+              <a:r>
+                <a:rPr lang="de-DE" sz="900" dirty="0" smtClean="0"/>
+                <a:t>{ASP.NET Web API 2}</a:t>
+              </a:r>
+              <a:endParaRPr lang="de-DE" sz="900" dirty="0"/>
             </a:p>
           </p:txBody>
         </p:sp>
@@ -3536,7 +4625,7 @@
         <p:spPr>
           <a:xfrm>
             <a:off x="1839293" y="2204864"/>
-            <a:ext cx="1944216" cy="1471518"/>
+            <a:ext cx="1503358" cy="864096"/>
           </a:xfrm>
           <a:prstGeom prst="cloud">
             <a:avLst/>
@@ -3578,8 +4667,8 @@
         </p:nvSpPr>
         <p:spPr>
           <a:xfrm>
-            <a:off x="539552" y="3933056"/>
-            <a:ext cx="4076239" cy="1872208"/>
+            <a:off x="567769" y="3293114"/>
+            <a:ext cx="4076239" cy="1584176"/>
           </a:xfrm>
           <a:prstGeom prst="rect">
             <a:avLst/>
@@ -3628,7 +4717,7 @@
         </p:nvSpPr>
         <p:spPr>
           <a:xfrm>
-            <a:off x="2138786" y="3933056"/>
+            <a:off x="2167003" y="3293114"/>
             <a:ext cx="725968" cy="369332"/>
           </a:xfrm>
           <a:prstGeom prst="rect">
@@ -3664,12 +4753,12 @@
         </p:nvCxnSpPr>
         <p:spPr>
           <a:xfrm flipH="1">
-            <a:off x="3781889" y="1395274"/>
-            <a:ext cx="646812" cy="1545349"/>
+            <a:off x="3341398" y="1395274"/>
+            <a:ext cx="1087303" cy="1241638"/>
           </a:xfrm>
           <a:prstGeom prst="bentConnector3">
             <a:avLst>
-              <a:gd name="adj1" fmla="val -74613"/>
+              <a:gd name="adj1" fmla="val -38544"/>
             </a:avLst>
           </a:prstGeom>
         </p:spPr>
@@ -3699,12 +4788,12 @@
         </p:nvCxnSpPr>
         <p:spPr>
           <a:xfrm rot="10800000" flipV="1">
-            <a:off x="791580" y="2940622"/>
-            <a:ext cx="1053744" cy="2041195"/>
+            <a:off x="819798" y="2636911"/>
+            <a:ext cx="1024159" cy="1600437"/>
           </a:xfrm>
           <a:prstGeom prst="bentConnector3">
             <a:avLst>
-              <a:gd name="adj1" fmla="val 153030"/>
+              <a:gd name="adj1" fmla="val 148362"/>
             </a:avLst>
           </a:prstGeom>
         </p:spPr>
@@ -3731,8 +4820,8 @@
         </p:nvSpPr>
         <p:spPr>
           <a:xfrm>
-            <a:off x="3167844" y="4302388"/>
-            <a:ext cx="1152128" cy="1358860"/>
+            <a:off x="3196061" y="3662446"/>
+            <a:ext cx="1152128" cy="1149805"/>
           </a:xfrm>
           <a:prstGeom prst="rect">
             <a:avLst/>
@@ -3796,7 +4885,7 @@
         </p:nvCxnSpPr>
         <p:spPr>
           <a:xfrm>
-            <a:off x="2951580" y="4981818"/>
+            <a:off x="2979797" y="4237349"/>
             <a:ext cx="216264" cy="0"/>
           </a:xfrm>
           <a:prstGeom prst="line">
@@ -3826,8 +4915,8 @@
         </p:nvGrpSpPr>
         <p:grpSpPr>
           <a:xfrm>
-            <a:off x="791580" y="4302388"/>
-            <a:ext cx="2160000" cy="1358860"/>
+            <a:off x="819797" y="3662446"/>
+            <a:ext cx="2160000" cy="1149805"/>
             <a:chOff x="449068" y="5085184"/>
             <a:chExt cx="2160000" cy="1358860"/>
           </a:xfrm>
@@ -3977,8 +5066,8 @@
           </p:nvSpPr>
           <p:spPr>
             <a:xfrm>
-              <a:off x="1529068" y="5533781"/>
-              <a:ext cx="1059301" cy="461665"/>
+              <a:off x="1541940" y="5441448"/>
+              <a:ext cx="1059301" cy="763845"/>
             </a:xfrm>
             <a:prstGeom prst="rect">
               <a:avLst/>
@@ -3996,26 +5085,402 @@
             <a:p>
               <a:pPr algn="ctr"/>
               <a:r>
-                <a:rPr lang="de-DE" sz="1200" dirty="0" smtClean="0">
-                  <a:solidFill>
-                    <a:schemeClr val="tx1"/>
-                  </a:solidFill>
-                </a:rPr>
-                <a:t>Business Logik</a:t>
+                <a:rPr lang="de-DE" sz="1200" dirty="0" smtClean="0"/>
+                <a:t>Clientseitige Anwendungs-logik</a:t>
               </a:r>
-              <a:endParaRPr lang="de-DE" sz="1200" dirty="0">
-                <a:solidFill>
-                  <a:schemeClr val="tx1"/>
-                </a:solidFill>
-              </a:endParaRPr>
+              <a:endParaRPr lang="de-DE" sz="1200" dirty="0"/>
             </a:p>
           </p:txBody>
         </p:sp>
       </p:grpSp>
+      <p:sp>
+        <p:nvSpPr>
+          <p:cNvPr id="16" name="Textfeld 15"/>
+          <p:cNvSpPr txBox="1"/>
+          <p:nvPr/>
+        </p:nvSpPr>
+        <p:spPr>
+          <a:xfrm>
+            <a:off x="899592" y="4581128"/>
+            <a:ext cx="1224136" cy="230832"/>
+          </a:xfrm>
+          <a:prstGeom prst="rect">
+            <a:avLst/>
+          </a:prstGeom>
+          <a:noFill/>
+        </p:spPr>
+        <p:txBody>
+          <a:bodyPr wrap="square" rtlCol="0">
+            <a:spAutoFit/>
+          </a:bodyPr>
+          <a:lstStyle/>
+          <a:p>
+            <a:r>
+              <a:rPr lang="de-DE" sz="900" dirty="0" smtClean="0"/>
+              <a:t>{</a:t>
+            </a:r>
+            <a:r>
+              <a:rPr lang="de-DE" sz="900" dirty="0" err="1" smtClean="0"/>
+              <a:t>Javascript</a:t>
+            </a:r>
+            <a:r>
+              <a:rPr lang="de-DE" sz="900" dirty="0" smtClean="0"/>
+              <a:t> / C#}</a:t>
+            </a:r>
+            <a:endParaRPr lang="de-DE" sz="900" dirty="0"/>
+          </a:p>
+        </p:txBody>
+      </p:sp>
+      <p:sp>
+        <p:nvSpPr>
+          <p:cNvPr id="35" name="Textfeld 34"/>
+          <p:cNvSpPr txBox="1"/>
+          <p:nvPr/>
+        </p:nvSpPr>
+        <p:spPr>
+          <a:xfrm>
+            <a:off x="1930796" y="4566554"/>
+            <a:ext cx="1224136" cy="230832"/>
+          </a:xfrm>
+          <a:prstGeom prst="rect">
+            <a:avLst/>
+          </a:prstGeom>
+          <a:noFill/>
+        </p:spPr>
+        <p:txBody>
+          <a:bodyPr wrap="square" rtlCol="0">
+            <a:spAutoFit/>
+          </a:bodyPr>
+          <a:lstStyle/>
+          <a:p>
+            <a:r>
+              <a:rPr lang="de-DE" sz="900" dirty="0" smtClean="0"/>
+              <a:t>{</a:t>
+            </a:r>
+            <a:r>
+              <a:rPr lang="de-DE" sz="900" dirty="0" err="1" smtClean="0"/>
+              <a:t>Javascript</a:t>
+            </a:r>
+            <a:r>
+              <a:rPr lang="de-DE" sz="900" dirty="0" smtClean="0"/>
+              <a:t> / C#}</a:t>
+            </a:r>
+            <a:endParaRPr lang="de-DE" sz="900" dirty="0"/>
+          </a:p>
+        </p:txBody>
+      </p:sp>
+      <p:sp>
+        <p:nvSpPr>
+          <p:cNvPr id="17" name="Textfeld 16"/>
+          <p:cNvSpPr txBox="1"/>
+          <p:nvPr/>
+        </p:nvSpPr>
+        <p:spPr>
+          <a:xfrm>
+            <a:off x="3341398" y="4581128"/>
+            <a:ext cx="859531" cy="230832"/>
+          </a:xfrm>
+          <a:prstGeom prst="rect">
+            <a:avLst/>
+          </a:prstGeom>
+          <a:noFill/>
+        </p:spPr>
+        <p:txBody>
+          <a:bodyPr wrap="none" rtlCol="0">
+            <a:spAutoFit/>
+          </a:bodyPr>
+          <a:lstStyle/>
+          <a:p>
+            <a:r>
+              <a:rPr lang="de-DE" sz="900" dirty="0" smtClean="0"/>
+              <a:t>{</a:t>
+            </a:r>
+            <a:r>
+              <a:rPr lang="de-DE" sz="900" dirty="0" err="1" smtClean="0"/>
+              <a:t>Html</a:t>
+            </a:r>
+            <a:r>
+              <a:rPr lang="de-DE" sz="900" dirty="0" smtClean="0"/>
+              <a:t> / AXML}</a:t>
+            </a:r>
+            <a:endParaRPr lang="de-DE" sz="900" dirty="0"/>
+          </a:p>
+        </p:txBody>
+      </p:sp>
     </p:spTree>
     <p:extLst>
       <p:ext uri="{BB962C8B-B14F-4D97-AF65-F5344CB8AC3E}">
-        <p14:creationId xmlns:p14="http://schemas.microsoft.com/office/powerpoint/2010/main" val="73406538"/>
+        <p14:creationId xmlns:p14="http://schemas.microsoft.com/office/powerpoint/2010/main" val="2709550790"/>
+      </p:ext>
+    </p:extLst>
+  </p:cSld>
+  <p:clrMapOvr>
+    <a:masterClrMapping/>
+  </p:clrMapOvr>
+</p:sld>
+</file>
+
+<file path=ppt/slides/slide3.xml><?xml version="1.0" encoding="utf-8"?>
+<p:sld xmlns:a="http://schemas.openxmlformats.org/drawingml/2006/main" xmlns:r="http://schemas.openxmlformats.org/officeDocument/2006/relationships" xmlns:p="http://schemas.openxmlformats.org/presentationml/2006/main">
+  <p:cSld>
+    <p:spTree>
+      <p:nvGrpSpPr>
+        <p:cNvPr id="1" name=""/>
+        <p:cNvGrpSpPr/>
+        <p:nvPr/>
+      </p:nvGrpSpPr>
+      <p:grpSpPr>
+        <a:xfrm>
+          <a:off x="0" y="0"/>
+          <a:ext cx="0" cy="0"/>
+          <a:chOff x="0" y="0"/>
+          <a:chExt cx="0" cy="0"/>
+        </a:xfrm>
+      </p:grpSpPr>
+      <p:sp>
+        <p:nvSpPr>
+          <p:cNvPr id="4" name="Rechteck 3"/>
+          <p:cNvSpPr/>
+          <p:nvPr/>
+        </p:nvSpPr>
+        <p:spPr>
+          <a:xfrm>
+            <a:off x="683568" y="764704"/>
+            <a:ext cx="3024336" cy="864096"/>
+          </a:xfrm>
+          <a:prstGeom prst="rect">
+            <a:avLst/>
+          </a:prstGeom>
+          <a:solidFill>
+            <a:schemeClr val="bg1"/>
+          </a:solidFill>
+          <a:ln>
+            <a:solidFill>
+              <a:schemeClr val="tx1"/>
+            </a:solidFill>
+          </a:ln>
+        </p:spPr>
+        <p:style>
+          <a:lnRef idx="2">
+            <a:schemeClr val="accent1">
+              <a:shade val="50000"/>
+            </a:schemeClr>
+          </a:lnRef>
+          <a:fillRef idx="1">
+            <a:schemeClr val="accent1"/>
+          </a:fillRef>
+          <a:effectRef idx="0">
+            <a:schemeClr val="accent1"/>
+          </a:effectRef>
+          <a:fontRef idx="minor">
+            <a:schemeClr val="lt1"/>
+          </a:fontRef>
+        </p:style>
+        <p:txBody>
+          <a:bodyPr rtlCol="0" anchor="ctr"/>
+          <a:lstStyle/>
+          <a:p>
+            <a:pPr algn="ctr"/>
+            <a:endParaRPr lang="de-DE" dirty="0"/>
+          </a:p>
+        </p:txBody>
+      </p:sp>
+      <p:sp>
+        <p:nvSpPr>
+          <p:cNvPr id="6" name="Rechteck 5"/>
+          <p:cNvSpPr/>
+          <p:nvPr/>
+        </p:nvSpPr>
+        <p:spPr>
+          <a:xfrm>
+            <a:off x="3995936" y="764704"/>
+            <a:ext cx="1296144" cy="864096"/>
+          </a:xfrm>
+          <a:prstGeom prst="rect">
+            <a:avLst/>
+          </a:prstGeom>
+          <a:solidFill>
+            <a:schemeClr val="bg1"/>
+          </a:solidFill>
+          <a:ln>
+            <a:solidFill>
+              <a:schemeClr val="tx1"/>
+            </a:solidFill>
+          </a:ln>
+        </p:spPr>
+        <p:style>
+          <a:lnRef idx="2">
+            <a:schemeClr val="accent1">
+              <a:shade val="50000"/>
+            </a:schemeClr>
+          </a:lnRef>
+          <a:fillRef idx="1">
+            <a:schemeClr val="accent1"/>
+          </a:fillRef>
+          <a:effectRef idx="0">
+            <a:schemeClr val="accent1"/>
+          </a:effectRef>
+          <a:fontRef idx="minor">
+            <a:schemeClr val="lt1"/>
+          </a:fontRef>
+        </p:style>
+        <p:txBody>
+          <a:bodyPr rtlCol="0" anchor="ctr"/>
+          <a:lstStyle/>
+          <a:p>
+            <a:pPr algn="ctr"/>
+            <a:r>
+              <a:rPr lang="de-DE" sz="1400" dirty="0" smtClean="0">
+                <a:solidFill>
+                  <a:schemeClr val="tx1"/>
+                </a:solidFill>
+              </a:rPr>
+              <a:t>Server</a:t>
+            </a:r>
+            <a:endParaRPr lang="de-DE" sz="1400" dirty="0">
+              <a:solidFill>
+                <a:schemeClr val="tx1"/>
+              </a:solidFill>
+            </a:endParaRPr>
+          </a:p>
+        </p:txBody>
+      </p:sp>
+      <p:cxnSp>
+        <p:nvCxnSpPr>
+          <p:cNvPr id="18" name="Gerade Verbindung 17"/>
+          <p:cNvCxnSpPr>
+            <a:stCxn id="4" idx="0"/>
+            <a:endCxn id="4" idx="2"/>
+          </p:cNvCxnSpPr>
+          <p:nvPr/>
+        </p:nvCxnSpPr>
+        <p:spPr>
+          <a:xfrm>
+            <a:off x="2195736" y="764704"/>
+            <a:ext cx="0" cy="864096"/>
+          </a:xfrm>
+          <a:prstGeom prst="line">
+            <a:avLst/>
+          </a:prstGeom>
+          <a:ln w="15875">
+            <a:solidFill>
+              <a:schemeClr val="tx1"/>
+            </a:solidFill>
+            <a:prstDash val="sysDash"/>
+          </a:ln>
+        </p:spPr>
+        <p:style>
+          <a:lnRef idx="1">
+            <a:schemeClr val="accent1"/>
+          </a:lnRef>
+          <a:fillRef idx="0">
+            <a:schemeClr val="accent1"/>
+          </a:fillRef>
+          <a:effectRef idx="0">
+            <a:schemeClr val="accent1"/>
+          </a:effectRef>
+          <a:fontRef idx="minor">
+            <a:schemeClr val="tx1"/>
+          </a:fontRef>
+        </p:style>
+      </p:cxnSp>
+      <p:sp>
+        <p:nvSpPr>
+          <p:cNvPr id="19" name="Textfeld 18"/>
+          <p:cNvSpPr txBox="1"/>
+          <p:nvPr/>
+        </p:nvSpPr>
+        <p:spPr>
+          <a:xfrm>
+            <a:off x="1043608" y="1042863"/>
+            <a:ext cx="696986" cy="307777"/>
+          </a:xfrm>
+          <a:prstGeom prst="rect">
+            <a:avLst/>
+          </a:prstGeom>
+          <a:noFill/>
+        </p:spPr>
+        <p:txBody>
+          <a:bodyPr wrap="none" rtlCol="0">
+            <a:spAutoFit/>
+          </a:bodyPr>
+          <a:lstStyle/>
+          <a:p>
+            <a:r>
+              <a:rPr lang="de-DE" sz="1400" dirty="0" smtClean="0"/>
+              <a:t>Testfall</a:t>
+            </a:r>
+            <a:endParaRPr lang="de-DE" sz="1400" dirty="0"/>
+          </a:p>
+        </p:txBody>
+      </p:sp>
+      <p:sp>
+        <p:nvSpPr>
+          <p:cNvPr id="20" name="Textfeld 19"/>
+          <p:cNvSpPr txBox="1"/>
+          <p:nvPr/>
+        </p:nvSpPr>
+        <p:spPr>
+          <a:xfrm>
+            <a:off x="2275725" y="1042862"/>
+            <a:ext cx="1407821" cy="307777"/>
+          </a:xfrm>
+          <a:prstGeom prst="rect">
+            <a:avLst/>
+          </a:prstGeom>
+          <a:noFill/>
+        </p:spPr>
+        <p:txBody>
+          <a:bodyPr wrap="none" rtlCol="0">
+            <a:spAutoFit/>
+          </a:bodyPr>
+          <a:lstStyle/>
+          <a:p>
+            <a:r>
+              <a:rPr lang="de-DE" sz="1400" dirty="0" smtClean="0"/>
+              <a:t>ManagementAPI</a:t>
+            </a:r>
+            <a:endParaRPr lang="de-DE" sz="1400" dirty="0"/>
+          </a:p>
+        </p:txBody>
+      </p:sp>
+      <p:cxnSp>
+        <p:nvCxnSpPr>
+          <p:cNvPr id="22" name="Gerade Verbindung 21"/>
+          <p:cNvCxnSpPr>
+            <a:stCxn id="4" idx="3"/>
+            <a:endCxn id="6" idx="1"/>
+          </p:cNvCxnSpPr>
+          <p:nvPr/>
+        </p:nvCxnSpPr>
+        <p:spPr>
+          <a:xfrm>
+            <a:off x="3707904" y="1196752"/>
+            <a:ext cx="288032" cy="0"/>
+          </a:xfrm>
+          <a:prstGeom prst="line">
+            <a:avLst/>
+          </a:prstGeom>
+        </p:spPr>
+        <p:style>
+          <a:lnRef idx="1">
+            <a:schemeClr val="accent1"/>
+          </a:lnRef>
+          <a:fillRef idx="0">
+            <a:schemeClr val="accent1"/>
+          </a:fillRef>
+          <a:effectRef idx="0">
+            <a:schemeClr val="accent1"/>
+          </a:effectRef>
+          <a:fontRef idx="minor">
+            <a:schemeClr val="tx1"/>
+          </a:fontRef>
+        </p:style>
+      </p:cxnSp>
+    </p:spTree>
+    <p:extLst>
+      <p:ext uri="{BB962C8B-B14F-4D97-AF65-F5344CB8AC3E}">
+        <p14:creationId xmlns:p14="http://schemas.microsoft.com/office/powerpoint/2010/main" val="2969435198"/>
       </p:ext>
     </p:extLst>
   </p:cSld>
@@ -4308,4 +5773,289 @@
   <a:objectDefaults/>
   <a:extraClrSchemeLst/>
 </a:theme>
+</file>
+
+<file path=ppt/theme/theme2.xml><?xml version="1.0" encoding="utf-8"?>
+<a:theme xmlns:a="http://schemas.openxmlformats.org/drawingml/2006/main" name="Larissa">
+  <a:themeElements>
+    <a:clrScheme name="Larissa">
+      <a:dk1>
+        <a:sysClr val="windowText" lastClr="000000"/>
+      </a:dk1>
+      <a:lt1>
+        <a:sysClr val="window" lastClr="FFFFFF"/>
+      </a:lt1>
+      <a:dk2>
+        <a:srgbClr val="1F497D"/>
+      </a:dk2>
+      <a:lt2>
+        <a:srgbClr val="EEECE1"/>
+      </a:lt2>
+      <a:accent1>
+        <a:srgbClr val="4F81BD"/>
+      </a:accent1>
+      <a:accent2>
+        <a:srgbClr val="C0504D"/>
+      </a:accent2>
+      <a:accent3>
+        <a:srgbClr val="9BBB59"/>
+      </a:accent3>
+      <a:accent4>
+        <a:srgbClr val="8064A2"/>
+      </a:accent4>
+      <a:accent5>
+        <a:srgbClr val="4BACC6"/>
+      </a:accent5>
+      <a:accent6>
+        <a:srgbClr val="F79646"/>
+      </a:accent6>
+      <a:hlink>
+        <a:srgbClr val="0000FF"/>
+      </a:hlink>
+      <a:folHlink>
+        <a:srgbClr val="800080"/>
+      </a:folHlink>
+    </a:clrScheme>
+    <a:fontScheme name="Larissa">
+      <a:majorFont>
+        <a:latin typeface="Calibri"/>
+        <a:ea typeface=""/>
+        <a:cs typeface=""/>
+        <a:font script="Jpan" typeface="ＭＳ Ｐゴシック"/>
+        <a:font script="Hang" typeface="맑은 고딕"/>
+        <a:font script="Hans" typeface="宋体"/>
+        <a:font script="Hant" typeface="新細明體"/>
+        <a:font script="Arab" typeface="Times New Roman"/>
+        <a:font script="Hebr" typeface="Times New Roman"/>
+        <a:font script="Thai" typeface="Angsana New"/>
+        <a:font script="Ethi" typeface="Nyala"/>
+        <a:font script="Beng" typeface="Vrinda"/>
+        <a:font script="Gujr" typeface="Shruti"/>
+        <a:font script="Khmr" typeface="MoolBoran"/>
+        <a:font script="Knda" typeface="Tunga"/>
+        <a:font script="Guru" typeface="Raavi"/>
+        <a:font script="Cans" typeface="Euphemia"/>
+        <a:font script="Cher" typeface="Plantagenet Cherokee"/>
+        <a:font script="Yiii" typeface="Microsoft Yi Baiti"/>
+        <a:font script="Tibt" typeface="Microsoft Himalaya"/>
+        <a:font script="Thaa" typeface="MV Boli"/>
+        <a:font script="Deva" typeface="Mangal"/>
+        <a:font script="Telu" typeface="Gautami"/>
+        <a:font script="Taml" typeface="Latha"/>
+        <a:font script="Syrc" typeface="Estrangelo Edessa"/>
+        <a:font script="Orya" typeface="Kalinga"/>
+        <a:font script="Mlym" typeface="Kartika"/>
+        <a:font script="Laoo" typeface="DokChampa"/>
+        <a:font script="Sinh" typeface="Iskoola Pota"/>
+        <a:font script="Mong" typeface="Mongolian Baiti"/>
+        <a:font script="Viet" typeface="Times New Roman"/>
+        <a:font script="Uigh" typeface="Microsoft Uighur"/>
+        <a:font script="Geor" typeface="Sylfaen"/>
+      </a:majorFont>
+      <a:minorFont>
+        <a:latin typeface="Calibri"/>
+        <a:ea typeface=""/>
+        <a:cs typeface=""/>
+        <a:font script="Jpan" typeface="ＭＳ Ｐゴシック"/>
+        <a:font script="Hang" typeface="맑은 고딕"/>
+        <a:font script="Hans" typeface="宋体"/>
+        <a:font script="Hant" typeface="新細明體"/>
+        <a:font script="Arab" typeface="Arial"/>
+        <a:font script="Hebr" typeface="Arial"/>
+        <a:font script="Thai" typeface="Cordia New"/>
+        <a:font script="Ethi" typeface="Nyala"/>
+        <a:font script="Beng" typeface="Vrinda"/>
+        <a:font script="Gujr" typeface="Shruti"/>
+        <a:font script="Khmr" typeface="DaunPenh"/>
+        <a:font script="Knda" typeface="Tunga"/>
+        <a:font script="Guru" typeface="Raavi"/>
+        <a:font script="Cans" typeface="Euphemia"/>
+        <a:font script="Cher" typeface="Plantagenet Cherokee"/>
+        <a:font script="Yiii" typeface="Microsoft Yi Baiti"/>
+        <a:font script="Tibt" typeface="Microsoft Himalaya"/>
+        <a:font script="Thaa" typeface="MV Boli"/>
+        <a:font script="Deva" typeface="Mangal"/>
+        <a:font script="Telu" typeface="Gautami"/>
+        <a:font script="Taml" typeface="Latha"/>
+        <a:font script="Syrc" typeface="Estrangelo Edessa"/>
+        <a:font script="Orya" typeface="Kalinga"/>
+        <a:font script="Mlym" typeface="Kartika"/>
+        <a:font script="Laoo" typeface="DokChampa"/>
+        <a:font script="Sinh" typeface="Iskoola Pota"/>
+        <a:font script="Mong" typeface="Mongolian Baiti"/>
+        <a:font script="Viet" typeface="Arial"/>
+        <a:font script="Uigh" typeface="Microsoft Uighur"/>
+        <a:font script="Geor" typeface="Sylfaen"/>
+      </a:minorFont>
+    </a:fontScheme>
+    <a:fmtScheme name="Larissa">
+      <a:fillStyleLst>
+        <a:solidFill>
+          <a:schemeClr val="phClr"/>
+        </a:solidFill>
+        <a:gradFill rotWithShape="1">
+          <a:gsLst>
+            <a:gs pos="0">
+              <a:schemeClr val="phClr">
+                <a:tint val="50000"/>
+                <a:satMod val="300000"/>
+              </a:schemeClr>
+            </a:gs>
+            <a:gs pos="35000">
+              <a:schemeClr val="phClr">
+                <a:tint val="37000"/>
+                <a:satMod val="300000"/>
+              </a:schemeClr>
+            </a:gs>
+            <a:gs pos="100000">
+              <a:schemeClr val="phClr">
+                <a:tint val="15000"/>
+                <a:satMod val="350000"/>
+              </a:schemeClr>
+            </a:gs>
+          </a:gsLst>
+          <a:lin ang="16200000" scaled="1"/>
+        </a:gradFill>
+        <a:gradFill rotWithShape="1">
+          <a:gsLst>
+            <a:gs pos="0">
+              <a:schemeClr val="phClr">
+                <a:shade val="51000"/>
+                <a:satMod val="130000"/>
+              </a:schemeClr>
+            </a:gs>
+            <a:gs pos="80000">
+              <a:schemeClr val="phClr">
+                <a:shade val="93000"/>
+                <a:satMod val="130000"/>
+              </a:schemeClr>
+            </a:gs>
+            <a:gs pos="100000">
+              <a:schemeClr val="phClr">
+                <a:shade val="94000"/>
+                <a:satMod val="135000"/>
+              </a:schemeClr>
+            </a:gs>
+          </a:gsLst>
+          <a:lin ang="16200000" scaled="0"/>
+        </a:gradFill>
+      </a:fillStyleLst>
+      <a:lnStyleLst>
+        <a:ln w="9525" cap="flat" cmpd="sng" algn="ctr">
+          <a:solidFill>
+            <a:schemeClr val="phClr">
+              <a:shade val="95000"/>
+              <a:satMod val="105000"/>
+            </a:schemeClr>
+          </a:solidFill>
+          <a:prstDash val="solid"/>
+        </a:ln>
+        <a:ln w="25400" cap="flat" cmpd="sng" algn="ctr">
+          <a:solidFill>
+            <a:schemeClr val="phClr"/>
+          </a:solidFill>
+          <a:prstDash val="solid"/>
+        </a:ln>
+        <a:ln w="38100" cap="flat" cmpd="sng" algn="ctr">
+          <a:solidFill>
+            <a:schemeClr val="phClr"/>
+          </a:solidFill>
+          <a:prstDash val="solid"/>
+        </a:ln>
+      </a:lnStyleLst>
+      <a:effectStyleLst>
+        <a:effectStyle>
+          <a:effectLst>
+            <a:outerShdw blurRad="40000" dist="20000" dir="5400000" rotWithShape="0">
+              <a:srgbClr val="000000">
+                <a:alpha val="38000"/>
+              </a:srgbClr>
+            </a:outerShdw>
+          </a:effectLst>
+        </a:effectStyle>
+        <a:effectStyle>
+          <a:effectLst>
+            <a:outerShdw blurRad="40000" dist="23000" dir="5400000" rotWithShape="0">
+              <a:srgbClr val="000000">
+                <a:alpha val="35000"/>
+              </a:srgbClr>
+            </a:outerShdw>
+          </a:effectLst>
+        </a:effectStyle>
+        <a:effectStyle>
+          <a:effectLst>
+            <a:outerShdw blurRad="40000" dist="23000" dir="5400000" rotWithShape="0">
+              <a:srgbClr val="000000">
+                <a:alpha val="35000"/>
+              </a:srgbClr>
+            </a:outerShdw>
+          </a:effectLst>
+          <a:scene3d>
+            <a:camera prst="orthographicFront">
+              <a:rot lat="0" lon="0" rev="0"/>
+            </a:camera>
+            <a:lightRig rig="threePt" dir="t">
+              <a:rot lat="0" lon="0" rev="1200000"/>
+            </a:lightRig>
+          </a:scene3d>
+          <a:sp3d>
+            <a:bevelT w="63500" h="25400"/>
+          </a:sp3d>
+        </a:effectStyle>
+      </a:effectStyleLst>
+      <a:bgFillStyleLst>
+        <a:solidFill>
+          <a:schemeClr val="phClr"/>
+        </a:solidFill>
+        <a:gradFill rotWithShape="1">
+          <a:gsLst>
+            <a:gs pos="0">
+              <a:schemeClr val="phClr">
+                <a:tint val="40000"/>
+                <a:satMod val="350000"/>
+              </a:schemeClr>
+            </a:gs>
+            <a:gs pos="40000">
+              <a:schemeClr val="phClr">
+                <a:tint val="45000"/>
+                <a:shade val="99000"/>
+                <a:satMod val="350000"/>
+              </a:schemeClr>
+            </a:gs>
+            <a:gs pos="100000">
+              <a:schemeClr val="phClr">
+                <a:shade val="20000"/>
+                <a:satMod val="255000"/>
+              </a:schemeClr>
+            </a:gs>
+          </a:gsLst>
+          <a:path path="circle">
+            <a:fillToRect l="50000" t="-80000" r="50000" b="180000"/>
+          </a:path>
+        </a:gradFill>
+        <a:gradFill rotWithShape="1">
+          <a:gsLst>
+            <a:gs pos="0">
+              <a:schemeClr val="phClr">
+                <a:tint val="80000"/>
+                <a:satMod val="300000"/>
+              </a:schemeClr>
+            </a:gs>
+            <a:gs pos="100000">
+              <a:schemeClr val="phClr">
+                <a:shade val="30000"/>
+                <a:satMod val="200000"/>
+              </a:schemeClr>
+            </a:gs>
+          </a:gsLst>
+          <a:path path="circle">
+            <a:fillToRect l="50000" t="50000" r="50000" b="50000"/>
+          </a:path>
+        </a:gradFill>
+      </a:bgFillStyleLst>
+    </a:fmtScheme>
+  </a:themeElements>
+  <a:objectDefaults/>
+  <a:extraClrSchemeLst/>
+</a:theme>
 </file>